--- a/doc/Notation.pptx
+++ b/doc/Notation.pptx
@@ -9,10 +9,6 @@
     <p:sldId id="263" r:id="rId3"/>
     <p:sldId id="258" r:id="rId4"/>
     <p:sldId id="257" r:id="rId5"/>
-    <p:sldId id="259" r:id="rId6"/>
-    <p:sldId id="260" r:id="rId7"/>
-    <p:sldId id="261" r:id="rId8"/>
-    <p:sldId id="262" r:id="rId9"/>
   </p:sldIdLst>
   <p:sldSz cx="12192000" cy="6858000"/>
   <p:notesSz cx="6858000" cy="9144000"/>
@@ -266,7 +262,7 @@
           <a:p>
             <a:fld id="{F464AAA2-30FF-420C-B1CC-BC8CBF197520}" type="datetimeFigureOut">
               <a:rPr lang="zh-CN" altLang="en-US" smtClean="0"/>
-              <a:t>2024/3/13</a:t>
+              <a:t>2024/3/18</a:t>
             </a:fld>
             <a:endParaRPr lang="zh-CN" altLang="en-US"/>
           </a:p>
@@ -464,7 +460,7 @@
           <a:p>
             <a:fld id="{F464AAA2-30FF-420C-B1CC-BC8CBF197520}" type="datetimeFigureOut">
               <a:rPr lang="zh-CN" altLang="en-US" smtClean="0"/>
-              <a:t>2024/3/13</a:t>
+              <a:t>2024/3/18</a:t>
             </a:fld>
             <a:endParaRPr lang="zh-CN" altLang="en-US"/>
           </a:p>
@@ -672,7 +668,7 @@
           <a:p>
             <a:fld id="{F464AAA2-30FF-420C-B1CC-BC8CBF197520}" type="datetimeFigureOut">
               <a:rPr lang="zh-CN" altLang="en-US" smtClean="0"/>
-              <a:t>2024/3/13</a:t>
+              <a:t>2024/3/18</a:t>
             </a:fld>
             <a:endParaRPr lang="zh-CN" altLang="en-US"/>
           </a:p>
@@ -870,7 +866,7 @@
           <a:p>
             <a:fld id="{F464AAA2-30FF-420C-B1CC-BC8CBF197520}" type="datetimeFigureOut">
               <a:rPr lang="zh-CN" altLang="en-US" smtClean="0"/>
-              <a:t>2024/3/13</a:t>
+              <a:t>2024/3/18</a:t>
             </a:fld>
             <a:endParaRPr lang="zh-CN" altLang="en-US"/>
           </a:p>
@@ -1145,7 +1141,7 @@
           <a:p>
             <a:fld id="{F464AAA2-30FF-420C-B1CC-BC8CBF197520}" type="datetimeFigureOut">
               <a:rPr lang="zh-CN" altLang="en-US" smtClean="0"/>
-              <a:t>2024/3/13</a:t>
+              <a:t>2024/3/18</a:t>
             </a:fld>
             <a:endParaRPr lang="zh-CN" altLang="en-US"/>
           </a:p>
@@ -1410,7 +1406,7 @@
           <a:p>
             <a:fld id="{F464AAA2-30FF-420C-B1CC-BC8CBF197520}" type="datetimeFigureOut">
               <a:rPr lang="zh-CN" altLang="en-US" smtClean="0"/>
-              <a:t>2024/3/13</a:t>
+              <a:t>2024/3/18</a:t>
             </a:fld>
             <a:endParaRPr lang="zh-CN" altLang="en-US"/>
           </a:p>
@@ -1822,7 +1818,7 @@
           <a:p>
             <a:fld id="{F464AAA2-30FF-420C-B1CC-BC8CBF197520}" type="datetimeFigureOut">
               <a:rPr lang="zh-CN" altLang="en-US" smtClean="0"/>
-              <a:t>2024/3/13</a:t>
+              <a:t>2024/3/18</a:t>
             </a:fld>
             <a:endParaRPr lang="zh-CN" altLang="en-US"/>
           </a:p>
@@ -1963,7 +1959,7 @@
           <a:p>
             <a:fld id="{F464AAA2-30FF-420C-B1CC-BC8CBF197520}" type="datetimeFigureOut">
               <a:rPr lang="zh-CN" altLang="en-US" smtClean="0"/>
-              <a:t>2024/3/13</a:t>
+              <a:t>2024/3/18</a:t>
             </a:fld>
             <a:endParaRPr lang="zh-CN" altLang="en-US"/>
           </a:p>
@@ -2076,7 +2072,7 @@
           <a:p>
             <a:fld id="{F464AAA2-30FF-420C-B1CC-BC8CBF197520}" type="datetimeFigureOut">
               <a:rPr lang="zh-CN" altLang="en-US" smtClean="0"/>
-              <a:t>2024/3/13</a:t>
+              <a:t>2024/3/18</a:t>
             </a:fld>
             <a:endParaRPr lang="zh-CN" altLang="en-US"/>
           </a:p>
@@ -2387,7 +2383,7 @@
           <a:p>
             <a:fld id="{F464AAA2-30FF-420C-B1CC-BC8CBF197520}" type="datetimeFigureOut">
               <a:rPr lang="zh-CN" altLang="en-US" smtClean="0"/>
-              <a:t>2024/3/13</a:t>
+              <a:t>2024/3/18</a:t>
             </a:fld>
             <a:endParaRPr lang="zh-CN" altLang="en-US"/>
           </a:p>
@@ -2675,7 +2671,7 @@
           <a:p>
             <a:fld id="{F464AAA2-30FF-420C-B1CC-BC8CBF197520}" type="datetimeFigureOut">
               <a:rPr lang="zh-CN" altLang="en-US" smtClean="0"/>
-              <a:t>2024/3/13</a:t>
+              <a:t>2024/3/18</a:t>
             </a:fld>
             <a:endParaRPr lang="zh-CN" altLang="en-US"/>
           </a:p>
@@ -2916,7 +2912,7 @@
           <a:p>
             <a:fld id="{F464AAA2-30FF-420C-B1CC-BC8CBF197520}" type="datetimeFigureOut">
               <a:rPr lang="zh-CN" altLang="en-US" smtClean="0"/>
-              <a:t>2024/3/13</a:t>
+              <a:t>2024/3/18</a:t>
             </a:fld>
             <a:endParaRPr lang="zh-CN" altLang="en-US"/>
           </a:p>
@@ -13593,6 +13589,54 @@
           </a:p>
         </p:txBody>
       </p:sp>
+      <p:sp>
+        <p:nvSpPr>
+          <p:cNvPr id="2" name="文本框 1">
+            <a:extLst>
+              <a:ext uri="{FF2B5EF4-FFF2-40B4-BE49-F238E27FC236}">
+                <a16:creationId xmlns:a16="http://schemas.microsoft.com/office/drawing/2014/main" id="{825C73F2-8129-9D73-ECFC-B62C382D2357}"/>
+              </a:ext>
+            </a:extLst>
+          </p:cNvPr>
+          <p:cNvSpPr txBox="1"/>
+          <p:nvPr/>
+        </p:nvSpPr>
+        <p:spPr>
+          <a:xfrm>
+            <a:off x="151618" y="3069342"/>
+            <a:ext cx="1881724" cy="369332"/>
+          </a:xfrm>
+          <a:prstGeom prst="rect">
+            <a:avLst/>
+          </a:prstGeom>
+          <a:noFill/>
+          <a:ln w="19050">
+            <a:solidFill>
+              <a:schemeClr val="tx1"/>
+            </a:solidFill>
+          </a:ln>
+        </p:spPr>
+        <p:txBody>
+          <a:bodyPr wrap="square" rtlCol="0">
+            <a:spAutoFit/>
+          </a:bodyPr>
+          <a:lstStyle/>
+          <a:p>
+            <a:pPr algn="ctr"/>
+            <a:r>
+              <a:rPr lang="en-US" altLang="zh-CN" b="1" dirty="0">
+                <a:latin typeface="Times New Roman" panose="02020603050405020304" pitchFamily="18" charset="0"/>
+                <a:cs typeface="Times New Roman" panose="02020603050405020304" pitchFamily="18" charset="0"/>
+              </a:rPr>
+              <a:t>Nodal IDs</a:t>
+            </a:r>
+            <a:endParaRPr lang="zh-CN" altLang="en-US" b="1" dirty="0">
+              <a:latin typeface="Times New Roman" panose="02020603050405020304" pitchFamily="18" charset="0"/>
+              <a:cs typeface="Times New Roman" panose="02020603050405020304" pitchFamily="18" charset="0"/>
+            </a:endParaRPr>
+          </a:p>
+        </p:txBody>
+      </p:sp>
     </p:spTree>
     <p:extLst>
       <p:ext uri="{BB962C8B-B14F-4D97-AF65-F5344CB8AC3E}">
@@ -24041,6 +24085,54 @@
           </a:p>
         </p:txBody>
       </p:sp>
+      <p:sp>
+        <p:nvSpPr>
+          <p:cNvPr id="25" name="文本框 24">
+            <a:extLst>
+              <a:ext uri="{FF2B5EF4-FFF2-40B4-BE49-F238E27FC236}">
+                <a16:creationId xmlns:a16="http://schemas.microsoft.com/office/drawing/2014/main" id="{100F3721-6D42-0B4B-3C63-558D39E1FF72}"/>
+              </a:ext>
+            </a:extLst>
+          </p:cNvPr>
+          <p:cNvSpPr txBox="1"/>
+          <p:nvPr/>
+        </p:nvSpPr>
+        <p:spPr>
+          <a:xfrm>
+            <a:off x="151618" y="3069342"/>
+            <a:ext cx="1881724" cy="369332"/>
+          </a:xfrm>
+          <a:prstGeom prst="rect">
+            <a:avLst/>
+          </a:prstGeom>
+          <a:noFill/>
+          <a:ln w="19050">
+            <a:solidFill>
+              <a:schemeClr val="tx1"/>
+            </a:solidFill>
+          </a:ln>
+        </p:spPr>
+        <p:txBody>
+          <a:bodyPr wrap="square" rtlCol="0">
+            <a:spAutoFit/>
+          </a:bodyPr>
+          <a:lstStyle/>
+          <a:p>
+            <a:pPr algn="ctr"/>
+            <a:r>
+              <a:rPr lang="en-US" altLang="zh-CN" b="1" dirty="0">
+                <a:latin typeface="Times New Roman" panose="02020603050405020304" pitchFamily="18" charset="0"/>
+                <a:cs typeface="Times New Roman" panose="02020603050405020304" pitchFamily="18" charset="0"/>
+              </a:rPr>
+              <a:t>Element IDs</a:t>
+            </a:r>
+            <a:endParaRPr lang="zh-CN" altLang="en-US" b="1" dirty="0">
+              <a:latin typeface="Times New Roman" panose="02020603050405020304" pitchFamily="18" charset="0"/>
+              <a:cs typeface="Times New Roman" panose="02020603050405020304" pitchFamily="18" charset="0"/>
+            </a:endParaRPr>
+          </a:p>
+        </p:txBody>
+      </p:sp>
     </p:spTree>
     <p:extLst>
       <p:ext uri="{BB962C8B-B14F-4D97-AF65-F5344CB8AC3E}">
@@ -28472,6 +28564,54 @@
           </a:p>
         </p:txBody>
       </p:sp>
+      <p:sp>
+        <p:nvSpPr>
+          <p:cNvPr id="3" name="文本框 2">
+            <a:extLst>
+              <a:ext uri="{FF2B5EF4-FFF2-40B4-BE49-F238E27FC236}">
+                <a16:creationId xmlns:a16="http://schemas.microsoft.com/office/drawing/2014/main" id="{3249DBCA-15C4-DFB9-989C-35FA780957BD}"/>
+              </a:ext>
+            </a:extLst>
+          </p:cNvPr>
+          <p:cNvSpPr txBox="1"/>
+          <p:nvPr/>
+        </p:nvSpPr>
+        <p:spPr>
+          <a:xfrm>
+            <a:off x="4519012" y="495914"/>
+            <a:ext cx="3153975" cy="369332"/>
+          </a:xfrm>
+          <a:prstGeom prst="rect">
+            <a:avLst/>
+          </a:prstGeom>
+          <a:noFill/>
+          <a:ln w="19050">
+            <a:solidFill>
+              <a:schemeClr val="tx1"/>
+            </a:solidFill>
+          </a:ln>
+        </p:spPr>
+        <p:txBody>
+          <a:bodyPr wrap="square" rtlCol="0">
+            <a:spAutoFit/>
+          </a:bodyPr>
+          <a:lstStyle/>
+          <a:p>
+            <a:pPr algn="ctr"/>
+            <a:r>
+              <a:rPr lang="en-US" altLang="zh-CN" b="1" dirty="0">
+                <a:latin typeface="Times New Roman" panose="02020603050405020304" pitchFamily="18" charset="0"/>
+                <a:cs typeface="Times New Roman" panose="02020603050405020304" pitchFamily="18" charset="0"/>
+              </a:rPr>
+              <a:t>Panel Zone (1)</a:t>
+            </a:r>
+            <a:endParaRPr lang="zh-CN" altLang="en-US" b="1" dirty="0">
+              <a:latin typeface="Times New Roman" panose="02020603050405020304" pitchFamily="18" charset="0"/>
+              <a:cs typeface="Times New Roman" panose="02020603050405020304" pitchFamily="18" charset="0"/>
+            </a:endParaRPr>
+          </a:p>
+        </p:txBody>
+      </p:sp>
     </p:spTree>
     <p:extLst>
       <p:ext uri="{BB962C8B-B14F-4D97-AF65-F5344CB8AC3E}">
@@ -30806,130 +30946,58 @@
           </a:p>
         </p:txBody>
       </p:sp>
+      <p:sp>
+        <p:nvSpPr>
+          <p:cNvPr id="3" name="文本框 2">
+            <a:extLst>
+              <a:ext uri="{FF2B5EF4-FFF2-40B4-BE49-F238E27FC236}">
+                <a16:creationId xmlns:a16="http://schemas.microsoft.com/office/drawing/2014/main" id="{5BEBE270-D7C4-12E1-6408-0C817896A204}"/>
+              </a:ext>
+            </a:extLst>
+          </p:cNvPr>
+          <p:cNvSpPr txBox="1"/>
+          <p:nvPr/>
+        </p:nvSpPr>
+        <p:spPr>
+          <a:xfrm>
+            <a:off x="4519012" y="495914"/>
+            <a:ext cx="3153975" cy="369332"/>
+          </a:xfrm>
+          <a:prstGeom prst="rect">
+            <a:avLst/>
+          </a:prstGeom>
+          <a:noFill/>
+          <a:ln w="19050">
+            <a:solidFill>
+              <a:schemeClr val="tx1"/>
+            </a:solidFill>
+          </a:ln>
+        </p:spPr>
+        <p:txBody>
+          <a:bodyPr wrap="square" rtlCol="0">
+            <a:spAutoFit/>
+          </a:bodyPr>
+          <a:lstStyle/>
+          <a:p>
+            <a:pPr algn="ctr"/>
+            <a:r>
+              <a:rPr lang="en-US" altLang="zh-CN" b="1" dirty="0">
+                <a:latin typeface="Times New Roman" panose="02020603050405020304" pitchFamily="18" charset="0"/>
+                <a:cs typeface="Times New Roman" panose="02020603050405020304" pitchFamily="18" charset="0"/>
+              </a:rPr>
+              <a:t>Panel Zone (2)</a:t>
+            </a:r>
+            <a:endParaRPr lang="zh-CN" altLang="en-US" b="1" dirty="0">
+              <a:latin typeface="Times New Roman" panose="02020603050405020304" pitchFamily="18" charset="0"/>
+              <a:cs typeface="Times New Roman" panose="02020603050405020304" pitchFamily="18" charset="0"/>
+            </a:endParaRPr>
+          </a:p>
+        </p:txBody>
+      </p:sp>
     </p:spTree>
     <p:extLst>
       <p:ext uri="{BB962C8B-B14F-4D97-AF65-F5344CB8AC3E}">
         <p14:creationId xmlns:p14="http://schemas.microsoft.com/office/powerpoint/2010/main" val="4221345836"/>
-      </p:ext>
-    </p:extLst>
-  </p:cSld>
-  <p:clrMapOvr>
-    <a:masterClrMapping/>
-  </p:clrMapOvr>
-</p:sld>
-</file>
-
-<file path=ppt/slides/slide5.xml><?xml version="1.0" encoding="utf-8"?>
-<p:sld xmlns:a="http://schemas.openxmlformats.org/drawingml/2006/main" xmlns:r="http://schemas.openxmlformats.org/officeDocument/2006/relationships" xmlns:p="http://schemas.openxmlformats.org/presentationml/2006/main">
-  <p:cSld>
-    <p:spTree>
-      <p:nvGrpSpPr>
-        <p:cNvPr id="1" name=""/>
-        <p:cNvGrpSpPr/>
-        <p:nvPr/>
-      </p:nvGrpSpPr>
-      <p:grpSpPr>
-        <a:xfrm>
-          <a:off x="0" y="0"/>
-          <a:ext cx="0" cy="0"/>
-          <a:chOff x="0" y="0"/>
-          <a:chExt cx="0" cy="0"/>
-        </a:xfrm>
-      </p:grpSpPr>
-    </p:spTree>
-    <p:extLst>
-      <p:ext uri="{BB962C8B-B14F-4D97-AF65-F5344CB8AC3E}">
-        <p14:creationId xmlns:p14="http://schemas.microsoft.com/office/powerpoint/2010/main" val="2595435997"/>
-      </p:ext>
-    </p:extLst>
-  </p:cSld>
-  <p:clrMapOvr>
-    <a:masterClrMapping/>
-  </p:clrMapOvr>
-</p:sld>
-</file>
-
-<file path=ppt/slides/slide6.xml><?xml version="1.0" encoding="utf-8"?>
-<p:sld xmlns:a="http://schemas.openxmlformats.org/drawingml/2006/main" xmlns:r="http://schemas.openxmlformats.org/officeDocument/2006/relationships" xmlns:p="http://schemas.openxmlformats.org/presentationml/2006/main">
-  <p:cSld>
-    <p:spTree>
-      <p:nvGrpSpPr>
-        <p:cNvPr id="1" name=""/>
-        <p:cNvGrpSpPr/>
-        <p:nvPr/>
-      </p:nvGrpSpPr>
-      <p:grpSpPr>
-        <a:xfrm>
-          <a:off x="0" y="0"/>
-          <a:ext cx="0" cy="0"/>
-          <a:chOff x="0" y="0"/>
-          <a:chExt cx="0" cy="0"/>
-        </a:xfrm>
-      </p:grpSpPr>
-    </p:spTree>
-    <p:extLst>
-      <p:ext uri="{BB962C8B-B14F-4D97-AF65-F5344CB8AC3E}">
-        <p14:creationId xmlns:p14="http://schemas.microsoft.com/office/powerpoint/2010/main" val="2524190700"/>
-      </p:ext>
-    </p:extLst>
-  </p:cSld>
-  <p:clrMapOvr>
-    <a:masterClrMapping/>
-  </p:clrMapOvr>
-</p:sld>
-</file>
-
-<file path=ppt/slides/slide7.xml><?xml version="1.0" encoding="utf-8"?>
-<p:sld xmlns:a="http://schemas.openxmlformats.org/drawingml/2006/main" xmlns:r="http://schemas.openxmlformats.org/officeDocument/2006/relationships" xmlns:p="http://schemas.openxmlformats.org/presentationml/2006/main">
-  <p:cSld>
-    <p:spTree>
-      <p:nvGrpSpPr>
-        <p:cNvPr id="1" name=""/>
-        <p:cNvGrpSpPr/>
-        <p:nvPr/>
-      </p:nvGrpSpPr>
-      <p:grpSpPr>
-        <a:xfrm>
-          <a:off x="0" y="0"/>
-          <a:ext cx="0" cy="0"/>
-          <a:chOff x="0" y="0"/>
-          <a:chExt cx="0" cy="0"/>
-        </a:xfrm>
-      </p:grpSpPr>
-    </p:spTree>
-    <p:extLst>
-      <p:ext uri="{BB962C8B-B14F-4D97-AF65-F5344CB8AC3E}">
-        <p14:creationId xmlns:p14="http://schemas.microsoft.com/office/powerpoint/2010/main" val="2514731041"/>
-      </p:ext>
-    </p:extLst>
-  </p:cSld>
-  <p:clrMapOvr>
-    <a:masterClrMapping/>
-  </p:clrMapOvr>
-</p:sld>
-</file>
-
-<file path=ppt/slides/slide8.xml><?xml version="1.0" encoding="utf-8"?>
-<p:sld xmlns:a="http://schemas.openxmlformats.org/drawingml/2006/main" xmlns:r="http://schemas.openxmlformats.org/officeDocument/2006/relationships" xmlns:p="http://schemas.openxmlformats.org/presentationml/2006/main">
-  <p:cSld>
-    <p:spTree>
-      <p:nvGrpSpPr>
-        <p:cNvPr id="1" name=""/>
-        <p:cNvGrpSpPr/>
-        <p:nvPr/>
-      </p:nvGrpSpPr>
-      <p:grpSpPr>
-        <a:xfrm>
-          <a:off x="0" y="0"/>
-          <a:ext cx="0" cy="0"/>
-          <a:chOff x="0" y="0"/>
-          <a:chExt cx="0" cy="0"/>
-        </a:xfrm>
-      </p:grpSpPr>
-    </p:spTree>
-    <p:extLst>
-      <p:ext uri="{BB962C8B-B14F-4D97-AF65-F5344CB8AC3E}">
-        <p14:creationId xmlns:p14="http://schemas.microsoft.com/office/powerpoint/2010/main" val="582348355"/>
       </p:ext>
     </p:extLst>
   </p:cSld>
